--- a/პრეზენტაცია/1 project prezentation.pptx
+++ b/პრეზენტაცია/1 project prezentation.pptx
@@ -8,8 +8,7 @@
     <p:sldId id="256" r:id="rId2"/>
     <p:sldId id="257" r:id="rId3"/>
     <p:sldId id="258" r:id="rId4"/>
-    <p:sldId id="259" r:id="rId5"/>
-    <p:sldId id="260" r:id="rId6"/>
+    <p:sldId id="260" r:id="rId5"/>
   </p:sldIdLst>
   <p:sldSz cx="12192000" cy="6858000"/>
   <p:notesSz cx="6858000" cy="9144000"/>
@@ -263,7 +262,7 @@
           <a:p>
             <a:fld id="{93548F8E-6A65-4010-B834-92AEA4293552}" type="datetimeFigureOut">
               <a:rPr lang="en-US" smtClean="0"/>
-              <a:t>7/25/2024</a:t>
+              <a:t>7/27/2024</a:t>
             </a:fld>
             <a:endParaRPr lang="en-US"/>
           </a:p>
@@ -461,7 +460,7 @@
           <a:p>
             <a:fld id="{93548F8E-6A65-4010-B834-92AEA4293552}" type="datetimeFigureOut">
               <a:rPr lang="en-US" smtClean="0"/>
-              <a:t>7/25/2024</a:t>
+              <a:t>7/27/2024</a:t>
             </a:fld>
             <a:endParaRPr lang="en-US"/>
           </a:p>
@@ -669,7 +668,7 @@
           <a:p>
             <a:fld id="{93548F8E-6A65-4010-B834-92AEA4293552}" type="datetimeFigureOut">
               <a:rPr lang="en-US" smtClean="0"/>
-              <a:t>7/25/2024</a:t>
+              <a:t>7/27/2024</a:t>
             </a:fld>
             <a:endParaRPr lang="en-US"/>
           </a:p>
@@ -867,7 +866,7 @@
           <a:p>
             <a:fld id="{93548F8E-6A65-4010-B834-92AEA4293552}" type="datetimeFigureOut">
               <a:rPr lang="en-US" smtClean="0"/>
-              <a:t>7/25/2024</a:t>
+              <a:t>7/27/2024</a:t>
             </a:fld>
             <a:endParaRPr lang="en-US"/>
           </a:p>
@@ -1142,7 +1141,7 @@
           <a:p>
             <a:fld id="{93548F8E-6A65-4010-B834-92AEA4293552}" type="datetimeFigureOut">
               <a:rPr lang="en-US" smtClean="0"/>
-              <a:t>7/25/2024</a:t>
+              <a:t>7/27/2024</a:t>
             </a:fld>
             <a:endParaRPr lang="en-US"/>
           </a:p>
@@ -1407,7 +1406,7 @@
           <a:p>
             <a:fld id="{93548F8E-6A65-4010-B834-92AEA4293552}" type="datetimeFigureOut">
               <a:rPr lang="en-US" smtClean="0"/>
-              <a:t>7/25/2024</a:t>
+              <a:t>7/27/2024</a:t>
             </a:fld>
             <a:endParaRPr lang="en-US"/>
           </a:p>
@@ -1819,7 +1818,7 @@
           <a:p>
             <a:fld id="{93548F8E-6A65-4010-B834-92AEA4293552}" type="datetimeFigureOut">
               <a:rPr lang="en-US" smtClean="0"/>
-              <a:t>7/25/2024</a:t>
+              <a:t>7/27/2024</a:t>
             </a:fld>
             <a:endParaRPr lang="en-US"/>
           </a:p>
@@ -1960,7 +1959,7 @@
           <a:p>
             <a:fld id="{93548F8E-6A65-4010-B834-92AEA4293552}" type="datetimeFigureOut">
               <a:rPr lang="en-US" smtClean="0"/>
-              <a:t>7/25/2024</a:t>
+              <a:t>7/27/2024</a:t>
             </a:fld>
             <a:endParaRPr lang="en-US"/>
           </a:p>
@@ -2073,7 +2072,7 @@
           <a:p>
             <a:fld id="{93548F8E-6A65-4010-B834-92AEA4293552}" type="datetimeFigureOut">
               <a:rPr lang="en-US" smtClean="0"/>
-              <a:t>7/25/2024</a:t>
+              <a:t>7/27/2024</a:t>
             </a:fld>
             <a:endParaRPr lang="en-US"/>
           </a:p>
@@ -2384,7 +2383,7 @@
           <a:p>
             <a:fld id="{93548F8E-6A65-4010-B834-92AEA4293552}" type="datetimeFigureOut">
               <a:rPr lang="en-US" smtClean="0"/>
-              <a:t>7/25/2024</a:t>
+              <a:t>7/27/2024</a:t>
             </a:fld>
             <a:endParaRPr lang="en-US"/>
           </a:p>
@@ -2672,7 +2671,7 @@
           <a:p>
             <a:fld id="{93548F8E-6A65-4010-B834-92AEA4293552}" type="datetimeFigureOut">
               <a:rPr lang="en-US" smtClean="0"/>
-              <a:t>7/25/2024</a:t>
+              <a:t>7/27/2024</a:t>
             </a:fld>
             <a:endParaRPr lang="en-US"/>
           </a:p>
@@ -2913,7 +2912,7 @@
           <a:p>
             <a:fld id="{93548F8E-6A65-4010-B834-92AEA4293552}" type="datetimeFigureOut">
               <a:rPr lang="en-US" smtClean="0"/>
-              <a:t>7/25/2024</a:t>
+              <a:t>7/27/2024</a:t>
             </a:fld>
             <a:endParaRPr lang="en-US"/>
           </a:p>
@@ -3547,13 +3546,13 @@
   <p:clrMapOvr>
     <a:masterClrMapping/>
   </p:clrMapOvr>
-  <mc:AlternateContent xmlns:mc="http://schemas.openxmlformats.org/markup-compatibility/2006">
-    <mc:Choice xmlns:p159="http://schemas.microsoft.com/office/powerpoint/2015/09/main" Requires="p159">
+  <mc:AlternateContent xmlns:mc="http://schemas.openxmlformats.org/markup-compatibility/2006" xmlns:p159="http://schemas.microsoft.com/office/powerpoint/2015/09/main">
+    <mc:Choice Requires="p159">
       <p:transition xmlns:p14="http://schemas.microsoft.com/office/powerpoint/2010/main" spd="slow" p14:dur="2000">
         <p159:morph option="byObject"/>
       </p:transition>
     </mc:Choice>
-    <mc:Fallback>
+    <mc:Fallback xmlns="">
       <p:transition spd="slow">
         <p:fade/>
       </p:transition>
@@ -3756,13 +3755,13 @@
   <p:clrMapOvr>
     <a:masterClrMapping/>
   </p:clrMapOvr>
-  <mc:AlternateContent xmlns:mc="http://schemas.openxmlformats.org/markup-compatibility/2006">
-    <mc:Choice xmlns:p159="http://schemas.microsoft.com/office/powerpoint/2015/09/main" Requires="p159">
+  <mc:AlternateContent xmlns:mc="http://schemas.openxmlformats.org/markup-compatibility/2006" xmlns:p159="http://schemas.microsoft.com/office/powerpoint/2015/09/main">
+    <mc:Choice Requires="p159">
       <p:transition xmlns:p14="http://schemas.microsoft.com/office/powerpoint/2010/main" spd="slow" p14:dur="2000">
         <p159:morph option="byObject"/>
       </p:transition>
     </mc:Choice>
-    <mc:Fallback>
+    <mc:Fallback xmlns="">
       <p:transition spd="slow">
         <p:fade/>
       </p:transition>
@@ -3814,8 +3813,8 @@
         </p:nvSpPr>
         <p:spPr>
           <a:xfrm>
-            <a:off x="838200" y="0"/>
-            <a:ext cx="10515600" cy="2226365"/>
+            <a:off x="957469" y="447262"/>
+            <a:ext cx="10277061" cy="2226365"/>
           </a:xfrm>
         </p:spPr>
         <p:txBody>
@@ -3826,7 +3825,15 @@
           <a:p>
             <a:r>
               <a:rPr lang="ka-GE" sz="2800" dirty="0"/>
-              <a:t>ასევე პირველ სლაიდში როგორც ვთქვი ჩვენ უდა გამოვიყენოთ განვლილი მასალის უმეტესი ნაწილი.ჩვენ უნდა გავაკეთოთ დახვეწილი, რამდენიმე გვერდიანი, ორ ენოვანი და დიდი საიტი, რომელიც იქნება ესეთ აპარატებზე, კონტაქტებზე და ასე შემდეგ, სადაც </a:t>
+              <a:t>პირველ სლაიდში როგორც ვთქვი ჩვენ უდა გამოვიყენოთ განვლილი მასალის უმეტესი ნაწილი.ჩვენ უნდა გავაკეთოთ დახვეწილი, რამდენიმე გვერდიანი, ორ ენოვანი და დიდი საიტი, რომელიც იქნება ესეთ აპარატებზე, ჩვენ კონტაქტებზე, დახმარებაზე</a:t>
+            </a:r>
+            <a:r>
+              <a:rPr lang="en-US" sz="2800" dirty="0"/>
+              <a:t>, </a:t>
+            </a:r>
+            <a:r>
+              <a:rPr lang="ka-GE" sz="2800" dirty="0"/>
+              <a:t>სარეგისტრაციო ფორმაზე და ასე შემდეგ, სადაც </a:t>
             </a:r>
             <a:r>
               <a:rPr lang="en-US" sz="2800" dirty="0"/>
@@ -3921,13 +3928,13 @@
   <p:clrMapOvr>
     <a:masterClrMapping/>
   </p:clrMapOvr>
-  <mc:AlternateContent xmlns:mc="http://schemas.openxmlformats.org/markup-compatibility/2006">
-    <mc:Choice xmlns:p159="http://schemas.microsoft.com/office/powerpoint/2015/09/main" Requires="p159">
+  <mc:AlternateContent xmlns:mc="http://schemas.openxmlformats.org/markup-compatibility/2006" xmlns:p159="http://schemas.microsoft.com/office/powerpoint/2015/09/main">
+    <mc:Choice Requires="p159">
       <p:transition xmlns:p14="http://schemas.microsoft.com/office/powerpoint/2010/main" spd="slow" p14:dur="2000">
         <p159:morph option="byObject"/>
       </p:transition>
     </mc:Choice>
-    <mc:Fallback>
+    <mc:Fallback xmlns="">
       <p:transition spd="slow">
         <p:fade/>
       </p:transition>
@@ -3961,171 +3968,6 @@
           <a:chExt cx="0" cy="0"/>
         </a:xfrm>
       </p:grpSpPr>
-      <p:pic>
-        <p:nvPicPr>
-          <p:cNvPr id="7" name="Picture 6">
-            <a:extLst>
-              <a:ext uri="{FF2B5EF4-FFF2-40B4-BE49-F238E27FC236}">
-                <a16:creationId xmlns:a16="http://schemas.microsoft.com/office/drawing/2014/main" id="{1666B5C1-C1BC-43E0-A804-49B6D263DD4C}"/>
-              </a:ext>
-            </a:extLst>
-          </p:cNvPr>
-          <p:cNvPicPr>
-            <a:picLocks noChangeAspect="1"/>
-          </p:cNvPicPr>
-          <p:nvPr/>
-        </p:nvPicPr>
-        <p:blipFill>
-          <a:blip r:embed="rId2">
-            <a:extLst>
-              <a:ext uri="{28A0092B-C50C-407E-A947-70E740481C1C}">
-                <a14:useLocalDpi xmlns:a14="http://schemas.microsoft.com/office/drawing/2010/main" val="0"/>
-              </a:ext>
-            </a:extLst>
-          </a:blip>
-          <a:stretch>
-            <a:fillRect/>
-          </a:stretch>
-        </p:blipFill>
-        <p:spPr>
-          <a:xfrm>
-            <a:off x="3160642" y="-1"/>
-            <a:ext cx="9031357" cy="6858001"/>
-          </a:xfrm>
-          <a:prstGeom prst="rect">
-            <a:avLst/>
-          </a:prstGeom>
-        </p:spPr>
-      </p:pic>
-      <p:sp>
-        <p:nvSpPr>
-          <p:cNvPr id="2" name="Title 1">
-            <a:extLst>
-              <a:ext uri="{FF2B5EF4-FFF2-40B4-BE49-F238E27FC236}">
-                <a16:creationId xmlns:a16="http://schemas.microsoft.com/office/drawing/2014/main" id="{FF028A9F-2309-48F5-B8EE-7409CD45A206}"/>
-              </a:ext>
-            </a:extLst>
-          </p:cNvPr>
-          <p:cNvSpPr>
-            <a:spLocks noGrp="1"/>
-          </p:cNvSpPr>
-          <p:nvPr>
-            <p:ph type="title"/>
-          </p:nvPr>
-        </p:nvSpPr>
-        <p:spPr>
-          <a:xfrm>
-            <a:off x="4114800" y="0"/>
-            <a:ext cx="8077200" cy="6857999"/>
-          </a:xfrm>
-        </p:spPr>
-        <p:txBody>
-          <a:bodyPr>
-            <a:noAutofit/>
-          </a:bodyPr>
-          <a:lstStyle/>
-          <a:p>
-            <a:r>
-              <a:rPr lang="ka-GE" sz="3200" dirty="0">
-                <a:solidFill>
-                  <a:schemeClr val="bg1"/>
-                </a:solidFill>
-              </a:rPr>
-              <a:t>ასევე ჩვენ თუ დრო დაგვრჩება შეიძლება გავაკეთოთ კიდევ ერთი ისეთი აპარატი რომელიც არავის აზრადაც არ მოუვიდოდა მაგრამ ჯერჯერობით ეს საიდუმლო იქნება.</a:t>
-            </a:r>
-            <a:endParaRPr lang="en-US" sz="3200" dirty="0">
-              <a:solidFill>
-                <a:schemeClr val="bg1"/>
-              </a:solidFill>
-            </a:endParaRPr>
-          </a:p>
-        </p:txBody>
-      </p:sp>
-      <p:pic>
-        <p:nvPicPr>
-          <p:cNvPr id="5" name="Content Placeholder 4">
-            <a:extLst>
-              <a:ext uri="{FF2B5EF4-FFF2-40B4-BE49-F238E27FC236}">
-                <a16:creationId xmlns:a16="http://schemas.microsoft.com/office/drawing/2014/main" id="{F307221B-CF41-4693-ADAD-0027EF3BFE58}"/>
-              </a:ext>
-            </a:extLst>
-          </p:cNvPr>
-          <p:cNvPicPr>
-            <a:picLocks noGrp="1" noChangeAspect="1"/>
-          </p:cNvPicPr>
-          <p:nvPr>
-            <p:ph idx="1"/>
-          </p:nvPr>
-        </p:nvPicPr>
-        <p:blipFill>
-          <a:blip r:embed="rId3">
-            <a:extLst>
-              <a:ext uri="{28A0092B-C50C-407E-A947-70E740481C1C}">
-                <a14:useLocalDpi xmlns:a14="http://schemas.microsoft.com/office/drawing/2010/main" val="0"/>
-              </a:ext>
-            </a:extLst>
-          </a:blip>
-          <a:stretch>
-            <a:fillRect/>
-          </a:stretch>
-        </p:blipFill>
-        <p:spPr>
-          <a:xfrm rot="10800000">
-            <a:off x="220179" y="973476"/>
-            <a:ext cx="2691984" cy="5556531"/>
-          </a:xfrm>
-        </p:spPr>
-      </p:pic>
-    </p:spTree>
-    <p:extLst>
-      <p:ext uri="{BB962C8B-B14F-4D97-AF65-F5344CB8AC3E}">
-        <p14:creationId xmlns:p14="http://schemas.microsoft.com/office/powerpoint/2010/main" val="1262965205"/>
-      </p:ext>
-    </p:extLst>
-  </p:cSld>
-  <p:clrMapOvr>
-    <a:masterClrMapping/>
-  </p:clrMapOvr>
-  <mc:AlternateContent xmlns:mc="http://schemas.openxmlformats.org/markup-compatibility/2006">
-    <mc:Choice xmlns:p159="http://schemas.microsoft.com/office/powerpoint/2015/09/main" Requires="p159">
-      <p:transition xmlns:p14="http://schemas.microsoft.com/office/powerpoint/2010/main" spd="slow" p14:dur="2000">
-        <p159:morph option="byObject"/>
-      </p:transition>
-    </mc:Choice>
-    <mc:Fallback>
-      <p:transition spd="slow">
-        <p:fade/>
-      </p:transition>
-    </mc:Fallback>
-  </mc:AlternateContent>
-</p:sld>
-</file>
-
-<file path=ppt/slides/slide5.xml><?xml version="1.0" encoding="utf-8"?>
-<p:sld xmlns:a="http://schemas.openxmlformats.org/drawingml/2006/main" xmlns:r="http://schemas.openxmlformats.org/officeDocument/2006/relationships" xmlns:p="http://schemas.openxmlformats.org/presentationml/2006/main">
-  <p:cSld>
-    <p:bg>
-      <p:bgPr>
-        <a:solidFill>
-          <a:schemeClr val="accent4"/>
-        </a:solidFill>
-        <a:effectLst/>
-      </p:bgPr>
-    </p:bg>
-    <p:spTree>
-      <p:nvGrpSpPr>
-        <p:cNvPr id="1" name=""/>
-        <p:cNvGrpSpPr/>
-        <p:nvPr/>
-      </p:nvGrpSpPr>
-      <p:grpSpPr>
-        <a:xfrm>
-          <a:off x="0" y="0"/>
-          <a:ext cx="0" cy="0"/>
-          <a:chOff x="0" y="0"/>
-          <a:chExt cx="0" cy="0"/>
-        </a:xfrm>
-      </p:grpSpPr>
       <p:sp>
         <p:nvSpPr>
           <p:cNvPr id="2" name="Title 1">
@@ -4230,13 +4072,13 @@
   <p:clrMapOvr>
     <a:masterClrMapping/>
   </p:clrMapOvr>
-  <mc:AlternateContent xmlns:mc="http://schemas.openxmlformats.org/markup-compatibility/2006">
-    <mc:Choice xmlns:p159="http://schemas.microsoft.com/office/powerpoint/2015/09/main" Requires="p159">
+  <mc:AlternateContent xmlns:mc="http://schemas.openxmlformats.org/markup-compatibility/2006" xmlns:p159="http://schemas.microsoft.com/office/powerpoint/2015/09/main">
+    <mc:Choice Requires="p159">
       <p:transition xmlns:p14="http://schemas.microsoft.com/office/powerpoint/2010/main" spd="slow" p14:dur="2000">
         <p159:morph option="byObject"/>
       </p:transition>
     </mc:Choice>
-    <mc:Fallback>
+    <mc:Fallback xmlns="">
       <p:transition spd="slow">
         <p:fade/>
       </p:transition>
